--- a/LL/QA/QA.pptx
+++ b/LL/QA/QA.pptx
@@ -549,184 +549,435 @@
       </p:grpSpPr>
       <p:sp>
         <p:nvSpPr>
-          <p:cNvPr id="12" name="Content Placeholder 2">
+          <p:cNvPr id="3" name="Rectangle: Rounded Corners 2">
             <a:extLst>
               <a:ext uri="{FF2B5EF4-FFF2-40B4-BE49-F238E27FC236}">
-                <a16:creationId xmlns:a16="http://schemas.microsoft.com/office/drawing/2014/main" id="{BD0D8BD6-EC90-C869-99BA-B69B2B21D792}"/>
+                <a16:creationId xmlns:a16="http://schemas.microsoft.com/office/drawing/2014/main" id="{608FDD6D-8320-3F45-E293-538E55D96B84}"/>
               </a:ext>
             </a:extLst>
           </p:cNvPr>
-          <p:cNvSpPr>
-            <a:spLocks noGrp="1"/>
-          </p:cNvSpPr>
-          <p:nvPr>
-            <p:ph idx="4294967295"/>
-          </p:nvPr>
+          <p:cNvSpPr/>
+          <p:nvPr/>
         </p:nvSpPr>
         <p:spPr>
           <a:xfrm>
-            <a:off x="3450210" y="1725105"/>
-            <a:ext cx="7884736" cy="3829688"/>
+            <a:off x="3560446" y="1211345"/>
+            <a:ext cx="2383154" cy="452486"/>
           </a:xfrm>
-          <a:prstGeom prst="rect">
+          <a:prstGeom prst="roundRect">
             <a:avLst/>
           </a:prstGeom>
+          <a:solidFill>
+            <a:srgbClr val="000000"/>
+          </a:solidFill>
+          <a:ln>
+            <a:noFill/>
+          </a:ln>
+        </p:spPr>
+        <p:style>
+          <a:lnRef idx="2">
+            <a:schemeClr val="dk1">
+              <a:shade val="50000"/>
+            </a:schemeClr>
+          </a:lnRef>
+          <a:fillRef idx="1">
+            <a:schemeClr val="dk1"/>
+          </a:fillRef>
+          <a:effectRef idx="0">
+            <a:schemeClr val="dk1"/>
+          </a:effectRef>
+          <a:fontRef idx="minor">
+            <a:schemeClr val="lt1"/>
+          </a:fontRef>
+        </p:style>
+        <p:txBody>
+          <a:bodyPr rtlCol="0" anchor="ctr"/>
+          <a:lstStyle/>
+          <a:p>
+            <a:pPr algn="ctr"/>
+            <a:endParaRPr lang="en-US" sz="2200" b="1" dirty="0">
+              <a:latin typeface="Poppins" panose="00000500000000000000" pitchFamily="2" charset="0"/>
+              <a:cs typeface="Poppins" panose="00000500000000000000" pitchFamily="2" charset="0"/>
+            </a:endParaRPr>
+          </a:p>
+        </p:txBody>
+      </p:sp>
+      <p:sp>
+        <p:nvSpPr>
+          <p:cNvPr id="2" name="Rectangle: Rounded Corners 1">
+            <a:extLst>
+              <a:ext uri="{FF2B5EF4-FFF2-40B4-BE49-F238E27FC236}">
+                <a16:creationId xmlns:a16="http://schemas.microsoft.com/office/drawing/2014/main" id="{5F319242-40F1-7888-78D1-5757E0F4DA10}"/>
+              </a:ext>
+            </a:extLst>
+          </p:cNvPr>
+          <p:cNvSpPr/>
+          <p:nvPr/>
+        </p:nvSpPr>
+        <p:spPr>
+          <a:xfrm>
+            <a:off x="3516199" y="1150070"/>
+            <a:ext cx="2383154" cy="452486"/>
+          </a:xfrm>
+          <a:prstGeom prst="roundRect">
+            <a:avLst/>
+          </a:prstGeom>
+          <a:solidFill>
+            <a:srgbClr val="C00000"/>
+          </a:solidFill>
+          <a:ln>
+            <a:solidFill>
+              <a:schemeClr val="bg1"/>
+            </a:solidFill>
+          </a:ln>
+        </p:spPr>
+        <p:style>
+          <a:lnRef idx="2">
+            <a:schemeClr val="dk1">
+              <a:shade val="50000"/>
+            </a:schemeClr>
+          </a:lnRef>
+          <a:fillRef idx="1">
+            <a:schemeClr val="dk1"/>
+          </a:fillRef>
+          <a:effectRef idx="0">
+            <a:schemeClr val="dk1"/>
+          </a:effectRef>
+          <a:fontRef idx="minor">
+            <a:schemeClr val="lt1"/>
+          </a:fontRef>
+        </p:style>
+        <p:txBody>
+          <a:bodyPr rtlCol="0" anchor="ctr"/>
+          <a:lstStyle/>
+          <a:p>
+            <a:pPr algn="ctr"/>
+            <a:r>
+              <a:rPr lang="en-US" sz="2200" b="1" dirty="0" err="1">
+                <a:latin typeface="Libre Franklin" panose="00000500000000000000" pitchFamily="2" charset="0"/>
+                <a:cs typeface="Poppins" panose="00000500000000000000" pitchFamily="2" charset="0"/>
+              </a:rPr>
+              <a:t>QuestionNo</a:t>
+            </a:r>
+            <a:endParaRPr lang="en-US" sz="2200" b="1" dirty="0">
+              <a:latin typeface="Libre Franklin" panose="00000500000000000000" pitchFamily="2" charset="0"/>
+              <a:cs typeface="Poppins" panose="00000500000000000000" pitchFamily="2" charset="0"/>
+            </a:endParaRPr>
+          </a:p>
+        </p:txBody>
+      </p:sp>
+      <p:sp>
+        <p:nvSpPr>
+          <p:cNvPr id="6" name="Google Shape;685;p119">
+            <a:extLst>
+              <a:ext uri="{FF2B5EF4-FFF2-40B4-BE49-F238E27FC236}">
+                <a16:creationId xmlns:a16="http://schemas.microsoft.com/office/drawing/2014/main" id="{4653347D-50E5-4ECD-8D6E-11F2E0FDB3AB}"/>
+              </a:ext>
+            </a:extLst>
+          </p:cNvPr>
+          <p:cNvSpPr/>
+          <p:nvPr/>
+        </p:nvSpPr>
+        <p:spPr>
+          <a:xfrm>
+            <a:off x="3516199" y="1792784"/>
+            <a:ext cx="8209808" cy="592503"/>
+          </a:xfrm>
+          <a:prstGeom prst="roundRect">
+            <a:avLst>
+              <a:gd name="adj" fmla="val 16667"/>
+            </a:avLst>
+          </a:prstGeom>
+          <a:noFill/>
+          <a:ln>
+            <a:noFill/>
+          </a:ln>
         </p:spPr>
         <p:txBody>
-          <a:bodyPr>
-            <a:normAutofit/>
+          <a:bodyPr spcFirstLastPara="1" wrap="square" lIns="91425" tIns="45700" rIns="91425" bIns="45700" anchor="t" anchorCtr="0">
+            <a:spAutoFit/>
           </a:bodyPr>
           <a:lstStyle/>
           <a:p>
-            <a:pPr marL="0" indent="0" algn="just">
+            <a:pPr marL="0" marR="0" lvl="0" indent="0" algn="l" rtl="0">
               <a:lnSpc>
-                <a:spcPct val="150000"/>
+                <a:spcPct val="120000"/>
               </a:lnSpc>
+              <a:spcBef>
+                <a:spcPts val="0"/>
+              </a:spcBef>
+              <a:spcAft>
+                <a:spcPts val="0"/>
+              </a:spcAft>
               <a:buNone/>
             </a:pPr>
             <a:r>
-              <a:rPr lang="en-US" sz="2000" b="1" dirty="0">
-                <a:latin typeface="Libre Franklin" panose="00000500000000000000" pitchFamily="2" charset="0"/>
+              <a:rPr lang="en-US" sz="2400" b="1" i="0" u="none" strike="noStrike" cap="none" dirty="0">
+                <a:solidFill>
+                  <a:srgbClr val="000000"/>
+                </a:solidFill>
+                <a:latin typeface="Hind Siliguri"/>
+                <a:ea typeface="Hind Siliguri"/>
+                <a:cs typeface="Hind Siliguri"/>
+                <a:sym typeface="Hind Siliguri"/>
               </a:rPr>
-              <a:t>Content</a:t>
+              <a:t>Question</a:t>
             </a:r>
+            <a:endParaRPr dirty="0"/>
           </a:p>
         </p:txBody>
       </p:sp>
-      <p:grpSp>
-        <p:nvGrpSpPr>
-          <p:cNvPr id="5" name="Group 4"/>
-          <p:cNvGrpSpPr/>
+      <p:sp>
+        <p:nvSpPr>
+          <p:cNvPr id="7" name="Google Shape;687;p119">
+            <a:extLst>
+              <a:ext uri="{FF2B5EF4-FFF2-40B4-BE49-F238E27FC236}">
+                <a16:creationId xmlns:a16="http://schemas.microsoft.com/office/drawing/2014/main" id="{B4BD177C-2569-4905-820A-EC6D5824745D}"/>
+              </a:ext>
+            </a:extLst>
+          </p:cNvPr>
+          <p:cNvSpPr/>
           <p:nvPr/>
-        </p:nvGrpSpPr>
-        <p:grpSpPr>
+        </p:nvSpPr>
+        <p:spPr>
           <a:xfrm>
-            <a:off x="3516199" y="1150070"/>
-            <a:ext cx="2427401" cy="513761"/>
-            <a:chOff x="3516199" y="1150070"/>
-            <a:chExt cx="3706305" cy="513761"/>
+            <a:off x="3516200" y="3518238"/>
+            <a:ext cx="8072062" cy="592503"/>
           </a:xfrm>
-        </p:grpSpPr>
-        <p:sp>
-          <p:nvSpPr>
-            <p:cNvPr id="3" name="Rectangle: Rounded Corners 2">
-              <a:extLst>
-                <a:ext uri="{FF2B5EF4-FFF2-40B4-BE49-F238E27FC236}">
-                  <a16:creationId xmlns:a16="http://schemas.microsoft.com/office/drawing/2014/main" id="{608FDD6D-8320-3F45-E293-538E55D96B84}"/>
-                </a:ext>
-              </a:extLst>
-            </p:cNvPr>
-            <p:cNvSpPr/>
-            <p:nvPr/>
-          </p:nvSpPr>
-          <p:spPr>
-            <a:xfrm>
-              <a:off x="3583758" y="1211345"/>
-              <a:ext cx="3638746" cy="452486"/>
-            </a:xfrm>
-            <a:prstGeom prst="roundRect">
-              <a:avLst/>
-            </a:prstGeom>
-            <a:solidFill>
-              <a:srgbClr val="000000"/>
-            </a:solidFill>
-            <a:ln>
-              <a:noFill/>
-            </a:ln>
-          </p:spPr>
-          <p:style>
-            <a:lnRef idx="2">
-              <a:schemeClr val="dk1">
-                <a:shade val="50000"/>
-              </a:schemeClr>
-            </a:lnRef>
-            <a:fillRef idx="1">
-              <a:schemeClr val="dk1"/>
-            </a:fillRef>
-            <a:effectRef idx="0">
-              <a:schemeClr val="dk1"/>
-            </a:effectRef>
-            <a:fontRef idx="minor">
-              <a:schemeClr val="lt1"/>
-            </a:fontRef>
-          </p:style>
-          <p:txBody>
-            <a:bodyPr rtlCol="0" anchor="ctr"/>
-            <a:lstStyle/>
-            <a:p>
-              <a:pPr algn="ctr"/>
-              <a:endParaRPr lang="en-US" sz="2200" b="1" dirty="0">
-                <a:latin typeface="Poppins" panose="00000500000000000000" pitchFamily="2" charset="0"/>
-                <a:cs typeface="Poppins" panose="00000500000000000000" pitchFamily="2" charset="0"/>
-              </a:endParaRPr>
-            </a:p>
-          </p:txBody>
-        </p:sp>
-        <p:sp>
-          <p:nvSpPr>
-            <p:cNvPr id="2" name="Rectangle: Rounded Corners 1">
-              <a:extLst>
-                <a:ext uri="{FF2B5EF4-FFF2-40B4-BE49-F238E27FC236}">
-                  <a16:creationId xmlns:a16="http://schemas.microsoft.com/office/drawing/2014/main" id="{5F319242-40F1-7888-78D1-5757E0F4DA10}"/>
-                </a:ext>
-              </a:extLst>
-            </p:cNvPr>
-            <p:cNvSpPr/>
-            <p:nvPr/>
-          </p:nvSpPr>
-          <p:spPr>
-            <a:xfrm>
-              <a:off x="3516199" y="1150070"/>
-              <a:ext cx="3638746" cy="452486"/>
-            </a:xfrm>
-            <a:prstGeom prst="roundRect">
-              <a:avLst/>
-            </a:prstGeom>
-            <a:solidFill>
-              <a:srgbClr val="C00000"/>
-            </a:solidFill>
-            <a:ln>
-              <a:solidFill>
-                <a:schemeClr val="bg1"/>
-              </a:solidFill>
-            </a:ln>
-          </p:spPr>
-          <p:style>
-            <a:lnRef idx="2">
-              <a:schemeClr val="dk1">
-                <a:shade val="50000"/>
-              </a:schemeClr>
-            </a:lnRef>
-            <a:fillRef idx="1">
-              <a:schemeClr val="dk1"/>
-            </a:fillRef>
-            <a:effectRef idx="0">
-              <a:schemeClr val="dk1"/>
-            </a:effectRef>
-            <a:fontRef idx="minor">
-              <a:schemeClr val="lt1"/>
-            </a:fontRef>
-          </p:style>
-          <p:txBody>
-            <a:bodyPr rtlCol="0" anchor="ctr"/>
-            <a:lstStyle/>
-            <a:p>
-              <a:pPr algn="ctr"/>
-              <a:r>
-                <a:rPr lang="en-US" sz="2200" b="1" dirty="0" err="1">
-                  <a:latin typeface="Libre Franklin" panose="00000500000000000000" pitchFamily="2" charset="0"/>
-                  <a:cs typeface="Poppins" panose="00000500000000000000" pitchFamily="2" charset="0"/>
-                </a:rPr>
-                <a:t>QuestionNo</a:t>
-              </a:r>
-              <a:endParaRPr lang="en-US" sz="2200" b="1" dirty="0">
-                <a:latin typeface="Libre Franklin" panose="00000500000000000000" pitchFamily="2" charset="0"/>
-                <a:cs typeface="Poppins" panose="00000500000000000000" pitchFamily="2" charset="0"/>
-              </a:endParaRPr>
-            </a:p>
-          </p:txBody>
-        </p:sp>
-      </p:grpSp>
+          <a:prstGeom prst="roundRect">
+            <a:avLst>
+              <a:gd name="adj" fmla="val 16667"/>
+            </a:avLst>
+          </a:prstGeom>
+          <a:solidFill>
+            <a:schemeClr val="lt2"/>
+          </a:solidFill>
+          <a:ln>
+            <a:noFill/>
+          </a:ln>
+        </p:spPr>
+        <p:txBody>
+          <a:bodyPr spcFirstLastPara="1" wrap="square" lIns="91425" tIns="45700" rIns="91425" bIns="45700" anchor="t" anchorCtr="0">
+            <a:spAutoFit/>
+          </a:bodyPr>
+          <a:lstStyle/>
+          <a:p>
+            <a:pPr marL="0" marR="0" lvl="0" indent="0" algn="l" rtl="0">
+              <a:lnSpc>
+                <a:spcPct val="120000"/>
+              </a:lnSpc>
+              <a:spcBef>
+                <a:spcPts val="0"/>
+              </a:spcBef>
+              <a:spcAft>
+                <a:spcPts val="0"/>
+              </a:spcAft>
+              <a:buNone/>
+            </a:pPr>
+            <a:r>
+              <a:rPr lang="en-US" sz="2400" b="0" i="0" u="none" strike="noStrike" cap="none" dirty="0">
+                <a:solidFill>
+                  <a:srgbClr val="262626"/>
+                </a:solidFill>
+                <a:latin typeface="Hind Siliguri"/>
+                <a:ea typeface="Hind Siliguri"/>
+                <a:cs typeface="Hind Siliguri"/>
+                <a:sym typeface="Hind Siliguri"/>
+              </a:rPr>
+              <a:t>01</a:t>
+            </a:r>
+            <a:endParaRPr dirty="0"/>
+          </a:p>
+        </p:txBody>
+      </p:sp>
+      <p:sp>
+        <p:nvSpPr>
+          <p:cNvPr id="8" name="Google Shape;688;p119">
+            <a:extLst>
+              <a:ext uri="{FF2B5EF4-FFF2-40B4-BE49-F238E27FC236}">
+                <a16:creationId xmlns:a16="http://schemas.microsoft.com/office/drawing/2014/main" id="{C47F75D2-CCA1-4B39-97BB-B8E1A89DEA4D}"/>
+              </a:ext>
+            </a:extLst>
+          </p:cNvPr>
+          <p:cNvSpPr/>
+          <p:nvPr/>
+        </p:nvSpPr>
+        <p:spPr>
+          <a:xfrm>
+            <a:off x="3516200" y="4153263"/>
+            <a:ext cx="8072062" cy="592458"/>
+          </a:xfrm>
+          <a:prstGeom prst="roundRect">
+            <a:avLst>
+              <a:gd name="adj" fmla="val 16667"/>
+            </a:avLst>
+          </a:prstGeom>
+          <a:solidFill>
+            <a:schemeClr val="lt2"/>
+          </a:solidFill>
+          <a:ln>
+            <a:noFill/>
+          </a:ln>
+        </p:spPr>
+        <p:txBody>
+          <a:bodyPr spcFirstLastPara="1" wrap="square" lIns="91425" tIns="45700" rIns="91425" bIns="45700" anchor="t" anchorCtr="0">
+            <a:spAutoFit/>
+          </a:bodyPr>
+          <a:lstStyle/>
+          <a:p>
+            <a:pPr marL="0" marR="0" lvl="0" indent="0" algn="l" rtl="0">
+              <a:lnSpc>
+                <a:spcPct val="120000"/>
+              </a:lnSpc>
+              <a:spcBef>
+                <a:spcPts val="0"/>
+              </a:spcBef>
+              <a:spcAft>
+                <a:spcPts val="0"/>
+              </a:spcAft>
+              <a:buNone/>
+            </a:pPr>
+            <a:r>
+              <a:rPr lang="en-US" sz="2400" dirty="0">
+                <a:solidFill>
+                  <a:srgbClr val="262626"/>
+                </a:solidFill>
+                <a:latin typeface="Hind Siliguri"/>
+                <a:cs typeface="Hind Siliguri"/>
+                <a:sym typeface="Hind Siliguri"/>
+              </a:rPr>
+              <a:t>02</a:t>
+            </a:r>
+            <a:endParaRPr dirty="0"/>
+          </a:p>
+        </p:txBody>
+      </p:sp>
+      <p:sp>
+        <p:nvSpPr>
+          <p:cNvPr id="9" name="Google Shape;689;p119">
+            <a:extLst>
+              <a:ext uri="{FF2B5EF4-FFF2-40B4-BE49-F238E27FC236}">
+                <a16:creationId xmlns:a16="http://schemas.microsoft.com/office/drawing/2014/main" id="{7EFE2E1F-E455-44E1-B5CA-8A17D8280521}"/>
+              </a:ext>
+            </a:extLst>
+          </p:cNvPr>
+          <p:cNvSpPr/>
+          <p:nvPr/>
+        </p:nvSpPr>
+        <p:spPr>
+          <a:xfrm>
+            <a:off x="3516200" y="4793609"/>
+            <a:ext cx="8072062" cy="592503"/>
+          </a:xfrm>
+          <a:prstGeom prst="roundRect">
+            <a:avLst>
+              <a:gd name="adj" fmla="val 16667"/>
+            </a:avLst>
+          </a:prstGeom>
+          <a:solidFill>
+            <a:srgbClr val="E7E6E6"/>
+          </a:solidFill>
+          <a:ln>
+            <a:noFill/>
+          </a:ln>
+        </p:spPr>
+        <p:txBody>
+          <a:bodyPr spcFirstLastPara="1" wrap="square" lIns="91425" tIns="45700" rIns="91425" bIns="45700" anchor="t" anchorCtr="0">
+            <a:spAutoFit/>
+          </a:bodyPr>
+          <a:lstStyle/>
+          <a:p>
+            <a:pPr marL="0" marR="0" lvl="0" indent="0" algn="l" rtl="0">
+              <a:lnSpc>
+                <a:spcPct val="120000"/>
+              </a:lnSpc>
+              <a:spcBef>
+                <a:spcPts val="0"/>
+              </a:spcBef>
+              <a:spcAft>
+                <a:spcPts val="0"/>
+              </a:spcAft>
+              <a:buNone/>
+            </a:pPr>
+            <a:r>
+              <a:rPr lang="en-US" sz="2400" b="0" i="0" u="none" strike="noStrike" cap="none" dirty="0">
+                <a:solidFill>
+                  <a:schemeClr val="dk1"/>
+                </a:solidFill>
+                <a:latin typeface="Hind Siliguri"/>
+                <a:ea typeface="Hind Siliguri"/>
+                <a:cs typeface="Hind Siliguri"/>
+                <a:sym typeface="Hind Siliguri"/>
+              </a:rPr>
+              <a:t>03</a:t>
+            </a:r>
+            <a:endParaRPr dirty="0"/>
+          </a:p>
+        </p:txBody>
+      </p:sp>
+      <p:sp>
+        <p:nvSpPr>
+          <p:cNvPr id="10" name="Google Shape;690;p119">
+            <a:extLst>
+              <a:ext uri="{FF2B5EF4-FFF2-40B4-BE49-F238E27FC236}">
+                <a16:creationId xmlns:a16="http://schemas.microsoft.com/office/drawing/2014/main" id="{5DC819F0-59A8-4C5D-91A9-FFFC1F0C37D8}"/>
+              </a:ext>
+            </a:extLst>
+          </p:cNvPr>
+          <p:cNvSpPr/>
+          <p:nvPr/>
+        </p:nvSpPr>
+        <p:spPr>
+          <a:xfrm>
+            <a:off x="3516200" y="5428634"/>
+            <a:ext cx="8072062" cy="592503"/>
+          </a:xfrm>
+          <a:prstGeom prst="roundRect">
+            <a:avLst>
+              <a:gd name="adj" fmla="val 16667"/>
+            </a:avLst>
+          </a:prstGeom>
+          <a:solidFill>
+            <a:srgbClr val="E7E6E6"/>
+          </a:solidFill>
+          <a:ln>
+            <a:noFill/>
+          </a:ln>
+        </p:spPr>
+        <p:txBody>
+          <a:bodyPr spcFirstLastPara="1" wrap="square" lIns="91425" tIns="45700" rIns="91425" bIns="45700" anchor="t" anchorCtr="0">
+            <a:spAutoFit/>
+          </a:bodyPr>
+          <a:lstStyle/>
+          <a:p>
+            <a:pPr marL="0" marR="0" lvl="0" indent="0" algn="l" rtl="0">
+              <a:lnSpc>
+                <a:spcPct val="120000"/>
+              </a:lnSpc>
+              <a:spcBef>
+                <a:spcPts val="0"/>
+              </a:spcBef>
+              <a:spcAft>
+                <a:spcPts val="0"/>
+              </a:spcAft>
+              <a:buNone/>
+            </a:pPr>
+            <a:r>
+              <a:rPr lang="en-US" sz="2400" b="0" i="0" u="none" strike="noStrike" cap="none" dirty="0">
+                <a:solidFill>
+                  <a:schemeClr val="dk1"/>
+                </a:solidFill>
+                <a:latin typeface="Hind Siliguri"/>
+                <a:ea typeface="Hind Siliguri"/>
+                <a:cs typeface="Hind Siliguri"/>
+                <a:sym typeface="Hind Siliguri"/>
+              </a:rPr>
+              <a:t>04</a:t>
+            </a:r>
+            <a:endParaRPr dirty="0"/>
+          </a:p>
+        </p:txBody>
+      </p:sp>
     </p:spTree>
     <p:extLst>
       <p:ext uri="{BB962C8B-B14F-4D97-AF65-F5344CB8AC3E}">

--- a/LL/QA/QA.pptx
+++ b/LL/QA/QA.pptx
@@ -716,14 +716,17 @@
                 <a:solidFill>
                   <a:srgbClr val="000000"/>
                 </a:solidFill>
-                <a:latin typeface="Hind Siliguri"/>
+                <a:latin typeface="Li Ador Noirrit" pitchFamily="2" charset="0"/>
                 <a:ea typeface="Hind Siliguri"/>
-                <a:cs typeface="Hind Siliguri"/>
+                <a:cs typeface="Li Ador Noirrit" pitchFamily="2" charset="0"/>
                 <a:sym typeface="Hind Siliguri"/>
               </a:rPr>
               <a:t>Question</a:t>
             </a:r>
-            <a:endParaRPr dirty="0"/>
+            <a:endParaRPr dirty="0">
+              <a:latin typeface="Li Ador Noirrit" pitchFamily="2" charset="0"/>
+              <a:cs typeface="Li Ador Noirrit" pitchFamily="2" charset="0"/>
+            </a:endParaRPr>
           </a:p>
         </p:txBody>
       </p:sp>
@@ -741,7 +744,7 @@
         </p:nvSpPr>
         <p:spPr>
           <a:xfrm>
-            <a:off x="3516200" y="3518238"/>
+            <a:off x="3516200" y="3148962"/>
             <a:ext cx="8072062" cy="592503"/>
           </a:xfrm>
           <a:prstGeom prst="roundRect">
@@ -779,14 +782,17 @@
                 <a:solidFill>
                   <a:srgbClr val="262626"/>
                 </a:solidFill>
-                <a:latin typeface="Hind Siliguri"/>
+                <a:latin typeface="Li Ador Noirrit" pitchFamily="2" charset="0"/>
                 <a:ea typeface="Hind Siliguri"/>
-                <a:cs typeface="Hind Siliguri"/>
+                <a:cs typeface="Li Ador Noirrit" pitchFamily="2" charset="0"/>
                 <a:sym typeface="Hind Siliguri"/>
               </a:rPr>
               <a:t>01</a:t>
             </a:r>
-            <a:endParaRPr dirty="0"/>
+            <a:endParaRPr dirty="0">
+              <a:latin typeface="Li Ador Noirrit" pitchFamily="2" charset="0"/>
+              <a:cs typeface="Li Ador Noirrit" pitchFamily="2" charset="0"/>
+            </a:endParaRPr>
           </a:p>
         </p:txBody>
       </p:sp>
@@ -804,7 +810,7 @@
         </p:nvSpPr>
         <p:spPr>
           <a:xfrm>
-            <a:off x="3516200" y="4153263"/>
+            <a:off x="3516200" y="3783987"/>
             <a:ext cx="8072062" cy="592458"/>
           </a:xfrm>
           <a:prstGeom prst="roundRect">
@@ -842,13 +848,16 @@
                 <a:solidFill>
                   <a:srgbClr val="262626"/>
                 </a:solidFill>
-                <a:latin typeface="Hind Siliguri"/>
-                <a:cs typeface="Hind Siliguri"/>
+                <a:latin typeface="Li Ador Noirrit" pitchFamily="2" charset="0"/>
+                <a:cs typeface="Li Ador Noirrit" pitchFamily="2" charset="0"/>
                 <a:sym typeface="Hind Siliguri"/>
               </a:rPr>
               <a:t>02</a:t>
             </a:r>
-            <a:endParaRPr dirty="0"/>
+            <a:endParaRPr dirty="0">
+              <a:latin typeface="Li Ador Noirrit" pitchFamily="2" charset="0"/>
+              <a:cs typeface="Li Ador Noirrit" pitchFamily="2" charset="0"/>
+            </a:endParaRPr>
           </a:p>
         </p:txBody>
       </p:sp>
@@ -866,7 +875,7 @@
         </p:nvSpPr>
         <p:spPr>
           <a:xfrm>
-            <a:off x="3516200" y="4793609"/>
+            <a:off x="3516200" y="4424333"/>
             <a:ext cx="8072062" cy="592503"/>
           </a:xfrm>
           <a:prstGeom prst="roundRect">
@@ -904,14 +913,17 @@
                 <a:solidFill>
                   <a:schemeClr val="dk1"/>
                 </a:solidFill>
-                <a:latin typeface="Hind Siliguri"/>
+                <a:latin typeface="Li Ador Noirrit" pitchFamily="2" charset="0"/>
                 <a:ea typeface="Hind Siliguri"/>
-                <a:cs typeface="Hind Siliguri"/>
+                <a:cs typeface="Li Ador Noirrit" pitchFamily="2" charset="0"/>
                 <a:sym typeface="Hind Siliguri"/>
               </a:rPr>
               <a:t>03</a:t>
             </a:r>
-            <a:endParaRPr dirty="0"/>
+            <a:endParaRPr dirty="0">
+              <a:latin typeface="Li Ador Noirrit" pitchFamily="2" charset="0"/>
+              <a:cs typeface="Li Ador Noirrit" pitchFamily="2" charset="0"/>
+            </a:endParaRPr>
           </a:p>
         </p:txBody>
       </p:sp>
@@ -929,7 +941,7 @@
         </p:nvSpPr>
         <p:spPr>
           <a:xfrm>
-            <a:off x="3516200" y="5428634"/>
+            <a:off x="3516200" y="5059358"/>
             <a:ext cx="8072062" cy="592503"/>
           </a:xfrm>
           <a:prstGeom prst="roundRect">
@@ -967,14 +979,17 @@
                 <a:solidFill>
                   <a:schemeClr val="dk1"/>
                 </a:solidFill>
-                <a:latin typeface="Hind Siliguri"/>
+                <a:latin typeface="Li Ador Noirrit" pitchFamily="2" charset="0"/>
                 <a:ea typeface="Hind Siliguri"/>
-                <a:cs typeface="Hind Siliguri"/>
+                <a:cs typeface="Li Ador Noirrit" pitchFamily="2" charset="0"/>
                 <a:sym typeface="Hind Siliguri"/>
               </a:rPr>
               <a:t>04</a:t>
             </a:r>
-            <a:endParaRPr dirty="0"/>
+            <a:endParaRPr dirty="0">
+              <a:latin typeface="Li Ador Noirrit" pitchFamily="2" charset="0"/>
+              <a:cs typeface="Li Ador Noirrit" pitchFamily="2" charset="0"/>
+            </a:endParaRPr>
           </a:p>
         </p:txBody>
       </p:sp>
